--- a/Weekly Submissions/Week7/Week 7 Features.pptx
+++ b/Weekly Submissions/Week7/Week 7 Features.pptx
@@ -108,6 +108,11 @@
       </a:defRPr>
     </a:lvl9pPr>
   </p:defaultTextStyle>
+  <p:extLst>
+    <p:ext uri="{EFAFB233-063F-42B5-8137-9DF3F51BA10A}">
+      <p15:sldGuideLst xmlns:p15="http://schemas.microsoft.com/office/powerpoint/2012/main"/>
+    </p:ext>
+  </p:extLst>
 </p:presentation>
 </file>
 
@@ -2083,7 +2088,7 @@
         <a:lstStyle/>
         <a:p>
           <a:r>
-            <a:rPr lang="en-US"/>
+            <a:rPr lang="en-US" dirty="0"/>
             <a:t>Pomodoro Timer</a:t>
           </a:r>
         </a:p>
@@ -2395,8 +2400,8 @@
         <a:lstStyle/>
         <a:p>
           <a:r>
-            <a:rPr lang="en-US"/>
-            <a:t>Generate Flash cards</a:t>
+            <a:rPr lang="en-US" dirty="0"/>
+            <a:t>UI Updates</a:t>
           </a:r>
         </a:p>
       </dgm:t>
@@ -2431,8 +2436,8 @@
         <a:lstStyle/>
         <a:p>
           <a:r>
-            <a:rPr lang="en-US"/>
-            <a:t>Create questionnaires</a:t>
+            <a:rPr lang="en-US" dirty="0"/>
+            <a:t>Generate Flash cards and questionnaires</a:t>
           </a:r>
         </a:p>
       </dgm:t>
@@ -2467,8 +2472,8 @@
         <a:lstStyle/>
         <a:p>
           <a:r>
-            <a:rPr lang="en-US"/>
-            <a:t>Hold mock exams</a:t>
+            <a:rPr lang="en-US" dirty="0"/>
+            <a:t>Chat History</a:t>
           </a:r>
         </a:p>
       </dgm:t>
@@ -3399,7 +3404,7 @@
             <a:buNone/>
           </a:pPr>
           <a:r>
-            <a:rPr lang="en-US" sz="2200" kern="1200"/>
+            <a:rPr lang="en-US" sz="2200" kern="1200" dirty="0"/>
             <a:t>Pomodoro Timer</a:t>
           </a:r>
         </a:p>
@@ -3563,8 +3568,8 @@
             <a:buNone/>
           </a:pPr>
           <a:r>
-            <a:rPr lang="en-US" sz="2200" kern="1200"/>
-            <a:t>Generate Flash cards</a:t>
+            <a:rPr lang="en-US" sz="2200" kern="1200" dirty="0"/>
+            <a:t>UI Updates</a:t>
           </a:r>
         </a:p>
       </dsp:txBody>
@@ -3715,8 +3720,8 @@
             <a:buNone/>
           </a:pPr>
           <a:r>
-            <a:rPr lang="en-US" sz="2200" kern="1200"/>
-            <a:t>Create questionnaires</a:t>
+            <a:rPr lang="en-US" sz="2200" kern="1200" dirty="0"/>
+            <a:t>Generate Flash cards and questionnaires</a:t>
           </a:r>
         </a:p>
       </dsp:txBody>
@@ -3867,8 +3872,8 @@
             <a:buNone/>
           </a:pPr>
           <a:r>
-            <a:rPr lang="en-US" sz="2200" kern="1200"/>
-            <a:t>Hold mock exams</a:t>
+            <a:rPr lang="en-US" sz="2200" kern="1200" dirty="0"/>
+            <a:t>Chat History</a:t>
           </a:r>
         </a:p>
       </dsp:txBody>
@@ -6836,7 +6841,7 @@
           <a:p>
             <a:fld id="{A7741199-927E-4777-B1E3-F81A6DBAF217}" type="datetimeFigureOut">
               <a:rPr lang="en-US" smtClean="0"/>
-              <a:t>11/6/2025</a:t>
+              <a:t>11/7/2025</a:t>
             </a:fld>
             <a:endParaRPr lang="en-US"/>
           </a:p>
@@ -7034,7 +7039,7 @@
           <a:p>
             <a:fld id="{A7741199-927E-4777-B1E3-F81A6DBAF217}" type="datetimeFigureOut">
               <a:rPr lang="en-US" smtClean="0"/>
-              <a:t>11/6/2025</a:t>
+              <a:t>11/7/2025</a:t>
             </a:fld>
             <a:endParaRPr lang="en-US"/>
           </a:p>
@@ -7242,7 +7247,7 @@
           <a:p>
             <a:fld id="{A7741199-927E-4777-B1E3-F81A6DBAF217}" type="datetimeFigureOut">
               <a:rPr lang="en-US" smtClean="0"/>
-              <a:t>11/6/2025</a:t>
+              <a:t>11/7/2025</a:t>
             </a:fld>
             <a:endParaRPr lang="en-US"/>
           </a:p>
@@ -7440,7 +7445,7 @@
           <a:p>
             <a:fld id="{A7741199-927E-4777-B1E3-F81A6DBAF217}" type="datetimeFigureOut">
               <a:rPr lang="en-US" smtClean="0"/>
-              <a:t>11/6/2025</a:t>
+              <a:t>11/7/2025</a:t>
             </a:fld>
             <a:endParaRPr lang="en-US"/>
           </a:p>
@@ -7715,7 +7720,7 @@
           <a:p>
             <a:fld id="{A7741199-927E-4777-B1E3-F81A6DBAF217}" type="datetimeFigureOut">
               <a:rPr lang="en-US" smtClean="0"/>
-              <a:t>11/6/2025</a:t>
+              <a:t>11/7/2025</a:t>
             </a:fld>
             <a:endParaRPr lang="en-US"/>
           </a:p>
@@ -7980,7 +7985,7 @@
           <a:p>
             <a:fld id="{A7741199-927E-4777-B1E3-F81A6DBAF217}" type="datetimeFigureOut">
               <a:rPr lang="en-US" smtClean="0"/>
-              <a:t>11/6/2025</a:t>
+              <a:t>11/7/2025</a:t>
             </a:fld>
             <a:endParaRPr lang="en-US"/>
           </a:p>
@@ -8392,7 +8397,7 @@
           <a:p>
             <a:fld id="{A7741199-927E-4777-B1E3-F81A6DBAF217}" type="datetimeFigureOut">
               <a:rPr lang="en-US" smtClean="0"/>
-              <a:t>11/6/2025</a:t>
+              <a:t>11/7/2025</a:t>
             </a:fld>
             <a:endParaRPr lang="en-US"/>
           </a:p>
@@ -8533,7 +8538,7 @@
           <a:p>
             <a:fld id="{A7741199-927E-4777-B1E3-F81A6DBAF217}" type="datetimeFigureOut">
               <a:rPr lang="en-US" smtClean="0"/>
-              <a:t>11/6/2025</a:t>
+              <a:t>11/7/2025</a:t>
             </a:fld>
             <a:endParaRPr lang="en-US"/>
           </a:p>
@@ -8646,7 +8651,7 @@
           <a:p>
             <a:fld id="{A7741199-927E-4777-B1E3-F81A6DBAF217}" type="datetimeFigureOut">
               <a:rPr lang="en-US" smtClean="0"/>
-              <a:t>11/6/2025</a:t>
+              <a:t>11/7/2025</a:t>
             </a:fld>
             <a:endParaRPr lang="en-US"/>
           </a:p>
@@ -8957,7 +8962,7 @@
           <a:p>
             <a:fld id="{A7741199-927E-4777-B1E3-F81A6DBAF217}" type="datetimeFigureOut">
               <a:rPr lang="en-US" smtClean="0"/>
-              <a:t>11/6/2025</a:t>
+              <a:t>11/7/2025</a:t>
             </a:fld>
             <a:endParaRPr lang="en-US"/>
           </a:p>
@@ -9245,7 +9250,7 @@
           <a:p>
             <a:fld id="{A7741199-927E-4777-B1E3-F81A6DBAF217}" type="datetimeFigureOut">
               <a:rPr lang="en-US" smtClean="0"/>
-              <a:t>11/6/2025</a:t>
+              <a:t>11/7/2025</a:t>
             </a:fld>
             <a:endParaRPr lang="en-US"/>
           </a:p>
@@ -9486,7 +9491,7 @@
           <a:p>
             <a:fld id="{A7741199-927E-4777-B1E3-F81A6DBAF217}" type="datetimeFigureOut">
               <a:rPr lang="en-US" smtClean="0"/>
-              <a:t>11/6/2025</a:t>
+              <a:t>11/7/2025</a:t>
             </a:fld>
             <a:endParaRPr lang="en-US"/>
           </a:p>
@@ -13017,7 +13022,7 @@
             <p:ph idx="1"/>
             <p:extLst>
               <p:ext uri="{D42A27DB-BD31-4B8C-83A1-F6EECF244321}">
-                <p14:modId xmlns:p14="http://schemas.microsoft.com/office/powerpoint/2010/main" val="3128123592"/>
+                <p14:modId xmlns:p14="http://schemas.microsoft.com/office/powerpoint/2010/main" val="2924368538"/>
               </p:ext>
             </p:extLst>
           </p:nvPr>
